--- a/Наработки/диздоки/Индия/Индия общая.pptx
+++ b/Наработки/диздоки/Индия/Индия общая.pptx
@@ -109,7 +109,7 @@
   </p:defaultTextStyle>
   <p:extLst>
     <p:ext uri="{EFAFB233-063F-42B5-8137-9DF3F51BA10A}">
-      <p15:sldGuideLst xmlns="" xmlns:p15="http://schemas.microsoft.com/office/powerpoint/2012/main">
+      <p15:sldGuideLst xmlns:p15="http://schemas.microsoft.com/office/powerpoint/2012/main">
         <p15:guide id="1" orient="horz" pos="11344">
           <p15:clr>
             <a:srgbClr val="A4A3A4"/>
@@ -209,7 +209,7 @@
             <a:fld id="{33E3D7F9-E251-484C-A6FF-FA958879DF69}" type="datetimeFigureOut">
               <a:rPr lang="ru-RU" smtClean="0"/>
               <a:pPr/>
-              <a:t>11.02.2021</a:t>
+              <a:t>15.10.2021</a:t>
             </a:fld>
             <a:endParaRPr lang="ru-RU"/>
           </a:p>
@@ -378,7 +378,7 @@
     </p:spTree>
     <p:extLst>
       <p:ext uri="{BB962C8B-B14F-4D97-AF65-F5344CB8AC3E}">
-        <p14:creationId xmlns="" xmlns:p14="http://schemas.microsoft.com/office/powerpoint/2010/main" val="1928360652"/>
+        <p14:creationId xmlns:p14="http://schemas.microsoft.com/office/powerpoint/2010/main" val="1928360652"/>
       </p:ext>
     </p:extLst>
   </p:cSld>
@@ -558,7 +558,7 @@
     </p:spTree>
     <p:extLst>
       <p:ext uri="{BB962C8B-B14F-4D97-AF65-F5344CB8AC3E}">
-        <p14:creationId xmlns="" xmlns:p14="http://schemas.microsoft.com/office/powerpoint/2010/main" val="2397767120"/>
+        <p14:creationId xmlns:p14="http://schemas.microsoft.com/office/powerpoint/2010/main" val="2397767120"/>
       </p:ext>
     </p:extLst>
   </p:cSld>
@@ -700,7 +700,7 @@
             <a:fld id="{85A5DE44-605B-4D3B-B2B7-94543DF81A36}" type="datetimeFigureOut">
               <a:rPr lang="ru-RU" smtClean="0"/>
               <a:pPr/>
-              <a:t>11.02.2021</a:t>
+              <a:t>15.10.2021</a:t>
             </a:fld>
             <a:endParaRPr lang="ru-RU"/>
           </a:p>
@@ -752,7 +752,7 @@
     </p:spTree>
     <p:extLst>
       <p:ext uri="{BB962C8B-B14F-4D97-AF65-F5344CB8AC3E}">
-        <p14:creationId xmlns="" xmlns:p14="http://schemas.microsoft.com/office/powerpoint/2010/main" val="1201854712"/>
+        <p14:creationId xmlns:p14="http://schemas.microsoft.com/office/powerpoint/2010/main" val="1201854712"/>
       </p:ext>
     </p:extLst>
   </p:cSld>
@@ -872,7 +872,7 @@
             <a:fld id="{85A5DE44-605B-4D3B-B2B7-94543DF81A36}" type="datetimeFigureOut">
               <a:rPr lang="ru-RU" smtClean="0"/>
               <a:pPr/>
-              <a:t>11.02.2021</a:t>
+              <a:t>15.10.2021</a:t>
             </a:fld>
             <a:endParaRPr lang="ru-RU"/>
           </a:p>
@@ -924,7 +924,7 @@
     </p:spTree>
     <p:extLst>
       <p:ext uri="{BB962C8B-B14F-4D97-AF65-F5344CB8AC3E}">
-        <p14:creationId xmlns="" xmlns:p14="http://schemas.microsoft.com/office/powerpoint/2010/main" val="2587197011"/>
+        <p14:creationId xmlns:p14="http://schemas.microsoft.com/office/powerpoint/2010/main" val="2587197011"/>
       </p:ext>
     </p:extLst>
   </p:cSld>
@@ -1054,7 +1054,7 @@
             <a:fld id="{85A5DE44-605B-4D3B-B2B7-94543DF81A36}" type="datetimeFigureOut">
               <a:rPr lang="ru-RU" smtClean="0"/>
               <a:pPr/>
-              <a:t>11.02.2021</a:t>
+              <a:t>15.10.2021</a:t>
             </a:fld>
             <a:endParaRPr lang="ru-RU"/>
           </a:p>
@@ -1106,7 +1106,7 @@
     </p:spTree>
     <p:extLst>
       <p:ext uri="{BB962C8B-B14F-4D97-AF65-F5344CB8AC3E}">
-        <p14:creationId xmlns="" xmlns:p14="http://schemas.microsoft.com/office/powerpoint/2010/main" val="2729497684"/>
+        <p14:creationId xmlns:p14="http://schemas.microsoft.com/office/powerpoint/2010/main" val="2729497684"/>
       </p:ext>
     </p:extLst>
   </p:cSld>
@@ -1226,7 +1226,7 @@
             <a:fld id="{85A5DE44-605B-4D3B-B2B7-94543DF81A36}" type="datetimeFigureOut">
               <a:rPr lang="ru-RU" smtClean="0"/>
               <a:pPr/>
-              <a:t>11.02.2021</a:t>
+              <a:t>15.10.2021</a:t>
             </a:fld>
             <a:endParaRPr lang="ru-RU"/>
           </a:p>
@@ -1278,7 +1278,7 @@
     </p:spTree>
     <p:extLst>
       <p:ext uri="{BB962C8B-B14F-4D97-AF65-F5344CB8AC3E}">
-        <p14:creationId xmlns="" xmlns:p14="http://schemas.microsoft.com/office/powerpoint/2010/main" val="813552025"/>
+        <p14:creationId xmlns:p14="http://schemas.microsoft.com/office/powerpoint/2010/main" val="813552025"/>
       </p:ext>
     </p:extLst>
   </p:cSld>
@@ -1474,7 +1474,7 @@
             <a:fld id="{85A5DE44-605B-4D3B-B2B7-94543DF81A36}" type="datetimeFigureOut">
               <a:rPr lang="ru-RU" smtClean="0"/>
               <a:pPr/>
-              <a:t>11.02.2021</a:t>
+              <a:t>15.10.2021</a:t>
             </a:fld>
             <a:endParaRPr lang="ru-RU"/>
           </a:p>
@@ -1526,7 +1526,7 @@
     </p:spTree>
     <p:extLst>
       <p:ext uri="{BB962C8B-B14F-4D97-AF65-F5344CB8AC3E}">
-        <p14:creationId xmlns="" xmlns:p14="http://schemas.microsoft.com/office/powerpoint/2010/main" val="1817244299"/>
+        <p14:creationId xmlns:p14="http://schemas.microsoft.com/office/powerpoint/2010/main" val="1817244299"/>
       </p:ext>
     </p:extLst>
   </p:cSld>
@@ -1708,7 +1708,7 @@
             <a:fld id="{85A5DE44-605B-4D3B-B2B7-94543DF81A36}" type="datetimeFigureOut">
               <a:rPr lang="ru-RU" smtClean="0"/>
               <a:pPr/>
-              <a:t>11.02.2021</a:t>
+              <a:t>15.10.2021</a:t>
             </a:fld>
             <a:endParaRPr lang="ru-RU"/>
           </a:p>
@@ -1760,7 +1760,7 @@
     </p:spTree>
     <p:extLst>
       <p:ext uri="{BB962C8B-B14F-4D97-AF65-F5344CB8AC3E}">
-        <p14:creationId xmlns="" xmlns:p14="http://schemas.microsoft.com/office/powerpoint/2010/main" val="635467586"/>
+        <p14:creationId xmlns:p14="http://schemas.microsoft.com/office/powerpoint/2010/main" val="635467586"/>
       </p:ext>
     </p:extLst>
   </p:cSld>
@@ -2077,7 +2077,7 @@
             <a:fld id="{85A5DE44-605B-4D3B-B2B7-94543DF81A36}" type="datetimeFigureOut">
               <a:rPr lang="ru-RU" smtClean="0"/>
               <a:pPr/>
-              <a:t>11.02.2021</a:t>
+              <a:t>15.10.2021</a:t>
             </a:fld>
             <a:endParaRPr lang="ru-RU"/>
           </a:p>
@@ -2129,7 +2129,7 @@
     </p:spTree>
     <p:extLst>
       <p:ext uri="{BB962C8B-B14F-4D97-AF65-F5344CB8AC3E}">
-        <p14:creationId xmlns="" xmlns:p14="http://schemas.microsoft.com/office/powerpoint/2010/main" val="3995563606"/>
+        <p14:creationId xmlns:p14="http://schemas.microsoft.com/office/powerpoint/2010/main" val="3995563606"/>
       </p:ext>
     </p:extLst>
   </p:cSld>
@@ -2197,7 +2197,7 @@
             <a:fld id="{85A5DE44-605B-4D3B-B2B7-94543DF81A36}" type="datetimeFigureOut">
               <a:rPr lang="ru-RU" smtClean="0"/>
               <a:pPr/>
-              <a:t>11.02.2021</a:t>
+              <a:t>15.10.2021</a:t>
             </a:fld>
             <a:endParaRPr lang="ru-RU"/>
           </a:p>
@@ -2249,7 +2249,7 @@
     </p:spTree>
     <p:extLst>
       <p:ext uri="{BB962C8B-B14F-4D97-AF65-F5344CB8AC3E}">
-        <p14:creationId xmlns="" xmlns:p14="http://schemas.microsoft.com/office/powerpoint/2010/main" val="1827486368"/>
+        <p14:creationId xmlns:p14="http://schemas.microsoft.com/office/powerpoint/2010/main" val="1827486368"/>
       </p:ext>
     </p:extLst>
   </p:cSld>
@@ -2294,7 +2294,7 @@
             <a:fld id="{85A5DE44-605B-4D3B-B2B7-94543DF81A36}" type="datetimeFigureOut">
               <a:rPr lang="ru-RU" smtClean="0"/>
               <a:pPr/>
-              <a:t>11.02.2021</a:t>
+              <a:t>15.10.2021</a:t>
             </a:fld>
             <a:endParaRPr lang="ru-RU"/>
           </a:p>
@@ -2346,7 +2346,7 @@
     </p:spTree>
     <p:extLst>
       <p:ext uri="{BB962C8B-B14F-4D97-AF65-F5344CB8AC3E}">
-        <p14:creationId xmlns="" xmlns:p14="http://schemas.microsoft.com/office/powerpoint/2010/main" val="2291083481"/>
+        <p14:creationId xmlns:p14="http://schemas.microsoft.com/office/powerpoint/2010/main" val="2291083481"/>
       </p:ext>
     </p:extLst>
   </p:cSld>
@@ -2573,7 +2573,7 @@
             <a:fld id="{85A5DE44-605B-4D3B-B2B7-94543DF81A36}" type="datetimeFigureOut">
               <a:rPr lang="ru-RU" smtClean="0"/>
               <a:pPr/>
-              <a:t>11.02.2021</a:t>
+              <a:t>15.10.2021</a:t>
             </a:fld>
             <a:endParaRPr lang="ru-RU"/>
           </a:p>
@@ -2625,7 +2625,7 @@
     </p:spTree>
     <p:extLst>
       <p:ext uri="{BB962C8B-B14F-4D97-AF65-F5344CB8AC3E}">
-        <p14:creationId xmlns="" xmlns:p14="http://schemas.microsoft.com/office/powerpoint/2010/main" val="3369452162"/>
+        <p14:creationId xmlns:p14="http://schemas.microsoft.com/office/powerpoint/2010/main" val="3369452162"/>
       </p:ext>
     </p:extLst>
   </p:cSld>
@@ -2832,7 +2832,7 @@
             <a:fld id="{85A5DE44-605B-4D3B-B2B7-94543DF81A36}" type="datetimeFigureOut">
               <a:rPr lang="ru-RU" smtClean="0"/>
               <a:pPr/>
-              <a:t>11.02.2021</a:t>
+              <a:t>15.10.2021</a:t>
             </a:fld>
             <a:endParaRPr lang="ru-RU"/>
           </a:p>
@@ -2884,7 +2884,7 @@
     </p:spTree>
     <p:extLst>
       <p:ext uri="{BB962C8B-B14F-4D97-AF65-F5344CB8AC3E}">
-        <p14:creationId xmlns="" xmlns:p14="http://schemas.microsoft.com/office/powerpoint/2010/main" val="1742075268"/>
+        <p14:creationId xmlns:p14="http://schemas.microsoft.com/office/powerpoint/2010/main" val="1742075268"/>
       </p:ext>
     </p:extLst>
   </p:cSld>
@@ -3047,7 +3047,7 @@
             <a:fld id="{85A5DE44-605B-4D3B-B2B7-94543DF81A36}" type="datetimeFigureOut">
               <a:rPr lang="ru-RU" smtClean="0"/>
               <a:pPr/>
-              <a:t>11.02.2021</a:t>
+              <a:t>15.10.2021</a:t>
             </a:fld>
             <a:endParaRPr lang="ru-RU"/>
           </a:p>
@@ -3135,7 +3135,7 @@
     </p:spTree>
     <p:extLst>
       <p:ext uri="{BB962C8B-B14F-4D97-AF65-F5344CB8AC3E}">
-        <p14:creationId xmlns="" xmlns:p14="http://schemas.microsoft.com/office/powerpoint/2010/main" val="1744105568"/>
+        <p14:creationId xmlns:p14="http://schemas.microsoft.com/office/powerpoint/2010/main" val="1744105568"/>
       </p:ext>
     </p:extLst>
   </p:cSld>
@@ -3632,7 +3632,7 @@
         </p:nvCxnSpPr>
         <p:spPr>
           <a:xfrm rot="5400000">
-            <a:off x="11631783" y="3513040"/>
+            <a:off x="43511958" y="3513040"/>
             <a:ext cx="335729" cy="2549857"/>
           </a:xfrm>
           <a:prstGeom prst="bentConnector3">
@@ -4045,7 +4045,6 @@
               <a:rPr lang="ru-RU" sz="800" dirty="0" smtClean="0"/>
               <a:t>Резолюция «Вся власть Индийскому народу» призывающую к активным действиям в борьбе против британского колониального правления.</a:t>
             </a:r>
-            <a:endParaRPr lang="ru-RU" sz="800" dirty="0" smtClean="0"/>
           </a:p>
         </p:txBody>
       </p:sp>
@@ -4442,7 +4441,7 @@
         </p:nvSpPr>
         <p:spPr>
           <a:xfrm>
-            <a:off x="12611412" y="4080104"/>
+            <a:off x="44491587" y="4080104"/>
             <a:ext cx="926325" cy="540000"/>
           </a:xfrm>
           <a:prstGeom prst="rect">
@@ -4492,7 +4491,7 @@
         </p:nvSpPr>
         <p:spPr>
           <a:xfrm>
-            <a:off x="10061555" y="4955833"/>
+            <a:off x="41941730" y="4955833"/>
             <a:ext cx="926325" cy="540000"/>
           </a:xfrm>
           <a:prstGeom prst="rect">
@@ -4539,7 +4538,7 @@
         </p:nvSpPr>
         <p:spPr>
           <a:xfrm>
-            <a:off x="12613685" y="5051370"/>
+            <a:off x="44493860" y="5051370"/>
             <a:ext cx="926325" cy="540000"/>
           </a:xfrm>
           <a:prstGeom prst="rect">
@@ -4606,7 +4605,7 @@
         </p:nvSpPr>
         <p:spPr>
           <a:xfrm>
-            <a:off x="16093866" y="4955835"/>
+            <a:off x="47974041" y="4955835"/>
             <a:ext cx="926325" cy="540000"/>
           </a:xfrm>
           <a:prstGeom prst="rect">
@@ -4657,7 +4656,7 @@
         </p:nvSpPr>
         <p:spPr>
           <a:xfrm>
-            <a:off x="12013185" y="5883883"/>
+            <a:off x="43893360" y="5883883"/>
             <a:ext cx="926325" cy="540000"/>
           </a:xfrm>
           <a:prstGeom prst="rect">
@@ -4700,7 +4699,7 @@
         </p:nvSpPr>
         <p:spPr>
           <a:xfrm>
-            <a:off x="13432553" y="5911179"/>
+            <a:off x="45312728" y="5911179"/>
             <a:ext cx="926325" cy="540000"/>
           </a:xfrm>
           <a:prstGeom prst="rect">
@@ -4743,7 +4742,7 @@
         </p:nvSpPr>
         <p:spPr>
           <a:xfrm>
-            <a:off x="14633555" y="5911179"/>
+            <a:off x="46513730" y="5911179"/>
             <a:ext cx="926325" cy="540000"/>
           </a:xfrm>
           <a:prstGeom prst="rect">
@@ -4820,7 +4819,6 @@
               <a:rPr lang="ru-RU" sz="800" dirty="0" smtClean="0"/>
               <a:t> образования.</a:t>
             </a:r>
-            <a:endParaRPr lang="ru-RU" sz="800" dirty="0" smtClean="0"/>
           </a:p>
         </p:txBody>
       </p:sp>
@@ -4832,7 +4830,7 @@
         </p:nvSpPr>
         <p:spPr>
           <a:xfrm>
-            <a:off x="17144744" y="5911179"/>
+            <a:off x="49024919" y="5911179"/>
             <a:ext cx="926325" cy="540000"/>
           </a:xfrm>
           <a:prstGeom prst="rect">
@@ -4888,7 +4886,7 @@
         </p:nvSpPr>
         <p:spPr>
           <a:xfrm>
-            <a:off x="11289854" y="6784636"/>
+            <a:off x="43170029" y="6784636"/>
             <a:ext cx="926325" cy="540000"/>
           </a:xfrm>
           <a:prstGeom prst="rect">
@@ -4945,7 +4943,7 @@
         </p:nvSpPr>
         <p:spPr>
           <a:xfrm>
-            <a:off x="12763813" y="6784635"/>
+            <a:off x="44643988" y="6784635"/>
             <a:ext cx="926325" cy="540000"/>
           </a:xfrm>
           <a:prstGeom prst="rect">
@@ -4992,7 +4990,7 @@
         </p:nvSpPr>
         <p:spPr>
           <a:xfrm>
-            <a:off x="14060349" y="6757340"/>
+            <a:off x="45940524" y="6757340"/>
             <a:ext cx="926325" cy="540000"/>
           </a:xfrm>
           <a:prstGeom prst="rect">
@@ -5038,7 +5036,7 @@
         </p:nvCxnSpPr>
         <p:spPr>
           <a:xfrm rot="16200000" flipH="1">
-            <a:off x="14647937" y="3046742"/>
+            <a:off x="46528112" y="3046742"/>
             <a:ext cx="335731" cy="3482454"/>
           </a:xfrm>
           <a:prstGeom prst="bentConnector3">
@@ -5076,7 +5074,7 @@
         </p:nvCxnSpPr>
         <p:spPr>
           <a:xfrm rot="16200000" flipH="1">
-            <a:off x="12860078" y="4834600"/>
+            <a:off x="44740253" y="4834600"/>
             <a:ext cx="431266" cy="2273"/>
           </a:xfrm>
           <a:prstGeom prst="bentConnector3">
@@ -5114,7 +5112,7 @@
         </p:nvCxnSpPr>
         <p:spPr>
           <a:xfrm rot="5400000">
-            <a:off x="12630342" y="5437376"/>
+            <a:off x="44510517" y="5437376"/>
             <a:ext cx="292513" cy="600500"/>
           </a:xfrm>
           <a:prstGeom prst="bentConnector3">
@@ -5152,7 +5150,7 @@
         </p:nvCxnSpPr>
         <p:spPr>
           <a:xfrm rot="16200000" flipH="1">
-            <a:off x="13326378" y="5341840"/>
+            <a:off x="45206553" y="5341840"/>
             <a:ext cx="319809" cy="818868"/>
           </a:xfrm>
           <a:prstGeom prst="bentConnector3">
@@ -5190,7 +5188,7 @@
         </p:nvCxnSpPr>
         <p:spPr>
           <a:xfrm rot="16200000" flipH="1">
-            <a:off x="14056534" y="6290361"/>
+            <a:off x="45936709" y="6290361"/>
             <a:ext cx="306161" cy="627796"/>
           </a:xfrm>
           <a:prstGeom prst="bentConnector3">
@@ -5228,7 +5226,7 @@
         </p:nvCxnSpPr>
         <p:spPr>
           <a:xfrm rot="5400000">
-            <a:off x="14657035" y="6317656"/>
+            <a:off x="46537210" y="6317656"/>
             <a:ext cx="306161" cy="573206"/>
           </a:xfrm>
           <a:prstGeom prst="bentConnector3">
@@ -5266,7 +5264,7 @@
         </p:nvCxnSpPr>
         <p:spPr>
           <a:xfrm rot="5400000">
-            <a:off x="15619202" y="4973352"/>
+            <a:off x="47499377" y="4973352"/>
             <a:ext cx="415344" cy="1460311"/>
           </a:xfrm>
           <a:prstGeom prst="bentConnector3">
@@ -5304,7 +5302,7 @@
         </p:nvCxnSpPr>
         <p:spPr>
           <a:xfrm rot="16200000" flipH="1">
-            <a:off x="16874796" y="5178068"/>
+            <a:off x="48754971" y="5178068"/>
             <a:ext cx="415344" cy="1050878"/>
           </a:xfrm>
           <a:prstGeom prst="bentConnector3">
@@ -5342,7 +5340,7 @@
         </p:nvCxnSpPr>
         <p:spPr>
           <a:xfrm rot="16200000" flipH="1">
-            <a:off x="12671286" y="6228945"/>
+            <a:off x="44551461" y="6228945"/>
             <a:ext cx="360752" cy="750628"/>
           </a:xfrm>
           <a:prstGeom prst="bentConnector3">
@@ -5380,7 +5378,7 @@
         </p:nvCxnSpPr>
         <p:spPr>
           <a:xfrm rot="5400000">
-            <a:off x="11934307" y="6242594"/>
+            <a:off x="43814482" y="6242594"/>
             <a:ext cx="360753" cy="723331"/>
           </a:xfrm>
           <a:prstGeom prst="bentConnector3">
@@ -5562,7 +5560,7 @@
     </p:spTree>
     <p:extLst>
       <p:ext uri="{BB962C8B-B14F-4D97-AF65-F5344CB8AC3E}">
-        <p14:creationId xmlns="" xmlns:p14="http://schemas.microsoft.com/office/powerpoint/2010/main" val="3113188735"/>
+        <p14:creationId xmlns:p14="http://schemas.microsoft.com/office/powerpoint/2010/main" val="3113188735"/>
       </p:ext>
     </p:extLst>
   </p:cSld>
@@ -5834,7 +5832,7 @@
   <a:extraClrSchemeLst/>
   <a:extLst>
     <a:ext uri="{05A4C25C-085E-4340-85A3-A5531E510DB2}">
-      <thm15:themeFamily xmlns="" xmlns:thm15="http://schemas.microsoft.com/office/thememl/2012/main" name="Office Theme" id="{62F939B6-93AF-4DB8-9C6B-D6C7DFDC589F}" vid="{4A3C46E8-61CC-4603-A589-7422A47A8E4A}"/>
+      <thm15:themeFamily xmlns:thm15="http://schemas.microsoft.com/office/thememl/2012/main" name="Office Theme" id="{62F939B6-93AF-4DB8-9C6B-D6C7DFDC589F}" vid="{4A3C46E8-61CC-4603-A589-7422A47A8E4A}"/>
     </a:ext>
   </a:extLst>
 </a:theme>
@@ -6095,7 +6093,7 @@
   <a:extraClrSchemeLst/>
   <a:extLst>
     <a:ext uri="{05A4C25C-085E-4340-85A3-A5531E510DB2}">
-      <thm15:themeFamily xmlns="" xmlns:thm15="http://schemas.microsoft.com/office/thememl/2012/main" name="Office Theme" id="{62F939B6-93AF-4DB8-9C6B-D6C7DFDC589F}" vid="{4A3C46E8-61CC-4603-A589-7422A47A8E4A}"/>
+      <thm15:themeFamily xmlns:thm15="http://schemas.microsoft.com/office/thememl/2012/main" name="Office Theme" id="{62F939B6-93AF-4DB8-9C6B-D6C7DFDC589F}" vid="{4A3C46E8-61CC-4603-A589-7422A47A8E4A}"/>
     </a:ext>
   </a:extLst>
 </a:theme>

--- a/Наработки/диздоки/Индия/Индия общая.pptx
+++ b/Наработки/диздоки/Индия/Индия общая.pptx
@@ -209,7 +209,7 @@
             <a:fld id="{33E3D7F9-E251-484C-A6FF-FA958879DF69}" type="datetimeFigureOut">
               <a:rPr lang="ru-RU" smtClean="0"/>
               <a:pPr/>
-              <a:t>15.10.2021</a:t>
+              <a:t>14.06.2022</a:t>
             </a:fld>
             <a:endParaRPr lang="ru-RU"/>
           </a:p>
@@ -273,38 +273,37 @@
           <a:p>
             <a:pPr lvl="0"/>
             <a:r>
-              <a:rPr lang="ru-RU" smtClean="0"/>
+              <a:rPr lang="ru-RU"/>
               <a:t>Образец текста</a:t>
             </a:r>
           </a:p>
           <a:p>
             <a:pPr lvl="1"/>
             <a:r>
-              <a:rPr lang="ru-RU" smtClean="0"/>
+              <a:rPr lang="ru-RU"/>
               <a:t>Второй уровень</a:t>
             </a:r>
           </a:p>
           <a:p>
             <a:pPr lvl="2"/>
             <a:r>
-              <a:rPr lang="ru-RU" smtClean="0"/>
+              <a:rPr lang="ru-RU"/>
               <a:t>Третий уровень</a:t>
             </a:r>
           </a:p>
           <a:p>
             <a:pPr lvl="3"/>
             <a:r>
-              <a:rPr lang="ru-RU" smtClean="0"/>
+              <a:rPr lang="ru-RU"/>
               <a:t>Четвертый уровень</a:t>
             </a:r>
           </a:p>
           <a:p>
             <a:pPr lvl="4"/>
             <a:r>
-              <a:rPr lang="ru-RU" smtClean="0"/>
+              <a:rPr lang="ru-RU"/>
               <a:t>Пятый уровень</a:t>
             </a:r>
-            <a:endParaRPr lang="ru-RU"/>
           </a:p>
         </p:txBody>
       </p:sp>
@@ -610,7 +609,7 @@
           </a:lstStyle>
           <a:p>
             <a:r>
-              <a:rPr lang="ru-RU" smtClean="0"/>
+              <a:rPr lang="ru-RU"/>
               <a:t>Образец заголовка</a:t>
             </a:r>
             <a:endParaRPr lang="en-US" dirty="0"/>
@@ -675,7 +674,7 @@
           </a:lstStyle>
           <a:p>
             <a:r>
-              <a:rPr lang="ru-RU" smtClean="0"/>
+              <a:rPr lang="ru-RU"/>
               <a:t>Образец подзаголовка</a:t>
             </a:r>
             <a:endParaRPr lang="en-US" dirty="0"/>
@@ -700,7 +699,7 @@
             <a:fld id="{85A5DE44-605B-4D3B-B2B7-94543DF81A36}" type="datetimeFigureOut">
               <a:rPr lang="ru-RU" smtClean="0"/>
               <a:pPr/>
-              <a:t>15.10.2021</a:t>
+              <a:t>14.06.2022</a:t>
             </a:fld>
             <a:endParaRPr lang="ru-RU"/>
           </a:p>
@@ -795,7 +794,7 @@
           <a:lstStyle/>
           <a:p>
             <a:r>
-              <a:rPr lang="ru-RU" smtClean="0"/>
+              <a:rPr lang="ru-RU"/>
               <a:t>Образец заголовка</a:t>
             </a:r>
             <a:endParaRPr lang="en-US" dirty="0"/>
@@ -819,35 +818,35 @@
           <a:p>
             <a:pPr lvl="0"/>
             <a:r>
-              <a:rPr lang="ru-RU" smtClean="0"/>
+              <a:rPr lang="ru-RU"/>
               <a:t>Образец текста</a:t>
             </a:r>
           </a:p>
           <a:p>
             <a:pPr lvl="1"/>
             <a:r>
-              <a:rPr lang="ru-RU" smtClean="0"/>
+              <a:rPr lang="ru-RU"/>
               <a:t>Второй уровень</a:t>
             </a:r>
           </a:p>
           <a:p>
             <a:pPr lvl="2"/>
             <a:r>
-              <a:rPr lang="ru-RU" smtClean="0"/>
+              <a:rPr lang="ru-RU"/>
               <a:t>Третий уровень</a:t>
             </a:r>
           </a:p>
           <a:p>
             <a:pPr lvl="3"/>
             <a:r>
-              <a:rPr lang="ru-RU" smtClean="0"/>
+              <a:rPr lang="ru-RU"/>
               <a:t>Четвертый уровень</a:t>
             </a:r>
           </a:p>
           <a:p>
             <a:pPr lvl="4"/>
             <a:r>
-              <a:rPr lang="ru-RU" smtClean="0"/>
+              <a:rPr lang="ru-RU"/>
               <a:t>Пятый уровень</a:t>
             </a:r>
             <a:endParaRPr lang="en-US" dirty="0"/>
@@ -872,7 +871,7 @@
             <a:fld id="{85A5DE44-605B-4D3B-B2B7-94543DF81A36}" type="datetimeFigureOut">
               <a:rPr lang="ru-RU" smtClean="0"/>
               <a:pPr/>
-              <a:t>15.10.2021</a:t>
+              <a:t>14.06.2022</a:t>
             </a:fld>
             <a:endParaRPr lang="ru-RU"/>
           </a:p>
@@ -972,7 +971,7 @@
           <a:lstStyle/>
           <a:p>
             <a:r>
-              <a:rPr lang="ru-RU" smtClean="0"/>
+              <a:rPr lang="ru-RU"/>
               <a:t>Образец заголовка</a:t>
             </a:r>
             <a:endParaRPr lang="en-US" dirty="0"/>
@@ -1001,35 +1000,35 @@
           <a:p>
             <a:pPr lvl="0"/>
             <a:r>
-              <a:rPr lang="ru-RU" smtClean="0"/>
+              <a:rPr lang="ru-RU"/>
               <a:t>Образец текста</a:t>
             </a:r>
           </a:p>
           <a:p>
             <a:pPr lvl="1"/>
             <a:r>
-              <a:rPr lang="ru-RU" smtClean="0"/>
+              <a:rPr lang="ru-RU"/>
               <a:t>Второй уровень</a:t>
             </a:r>
           </a:p>
           <a:p>
             <a:pPr lvl="2"/>
             <a:r>
-              <a:rPr lang="ru-RU" smtClean="0"/>
+              <a:rPr lang="ru-RU"/>
               <a:t>Третий уровень</a:t>
             </a:r>
           </a:p>
           <a:p>
             <a:pPr lvl="3"/>
             <a:r>
-              <a:rPr lang="ru-RU" smtClean="0"/>
+              <a:rPr lang="ru-RU"/>
               <a:t>Четвертый уровень</a:t>
             </a:r>
           </a:p>
           <a:p>
             <a:pPr lvl="4"/>
             <a:r>
-              <a:rPr lang="ru-RU" smtClean="0"/>
+              <a:rPr lang="ru-RU"/>
               <a:t>Пятый уровень</a:t>
             </a:r>
             <a:endParaRPr lang="en-US" dirty="0"/>
@@ -1054,7 +1053,7 @@
             <a:fld id="{85A5DE44-605B-4D3B-B2B7-94543DF81A36}" type="datetimeFigureOut">
               <a:rPr lang="ru-RU" smtClean="0"/>
               <a:pPr/>
-              <a:t>15.10.2021</a:t>
+              <a:t>14.06.2022</a:t>
             </a:fld>
             <a:endParaRPr lang="ru-RU"/>
           </a:p>
@@ -1149,7 +1148,7 @@
           <a:lstStyle/>
           <a:p>
             <a:r>
-              <a:rPr lang="ru-RU" smtClean="0"/>
+              <a:rPr lang="ru-RU"/>
               <a:t>Образец заголовка</a:t>
             </a:r>
             <a:endParaRPr lang="en-US" dirty="0"/>
@@ -1173,35 +1172,35 @@
           <a:p>
             <a:pPr lvl="0"/>
             <a:r>
-              <a:rPr lang="ru-RU" smtClean="0"/>
+              <a:rPr lang="ru-RU"/>
               <a:t>Образец текста</a:t>
             </a:r>
           </a:p>
           <a:p>
             <a:pPr lvl="1"/>
             <a:r>
-              <a:rPr lang="ru-RU" smtClean="0"/>
+              <a:rPr lang="ru-RU"/>
               <a:t>Второй уровень</a:t>
             </a:r>
           </a:p>
           <a:p>
             <a:pPr lvl="2"/>
             <a:r>
-              <a:rPr lang="ru-RU" smtClean="0"/>
+              <a:rPr lang="ru-RU"/>
               <a:t>Третий уровень</a:t>
             </a:r>
           </a:p>
           <a:p>
             <a:pPr lvl="3"/>
             <a:r>
-              <a:rPr lang="ru-RU" smtClean="0"/>
+              <a:rPr lang="ru-RU"/>
               <a:t>Четвертый уровень</a:t>
             </a:r>
           </a:p>
           <a:p>
             <a:pPr lvl="4"/>
             <a:r>
-              <a:rPr lang="ru-RU" smtClean="0"/>
+              <a:rPr lang="ru-RU"/>
               <a:t>Пятый уровень</a:t>
             </a:r>
             <a:endParaRPr lang="en-US" dirty="0"/>
@@ -1226,7 +1225,7 @@
             <a:fld id="{85A5DE44-605B-4D3B-B2B7-94543DF81A36}" type="datetimeFigureOut">
               <a:rPr lang="ru-RU" smtClean="0"/>
               <a:pPr/>
-              <a:t>15.10.2021</a:t>
+              <a:t>14.06.2022</a:t>
             </a:fld>
             <a:endParaRPr lang="ru-RU"/>
           </a:p>
@@ -1330,7 +1329,7 @@
           </a:lstStyle>
           <a:p>
             <a:r>
-              <a:rPr lang="ru-RU" smtClean="0"/>
+              <a:rPr lang="ru-RU"/>
               <a:t>Образец заголовка</a:t>
             </a:r>
             <a:endParaRPr lang="en-US" dirty="0"/>
@@ -1450,7 +1449,7 @@
           <a:p>
             <a:pPr lvl="0"/>
             <a:r>
-              <a:rPr lang="ru-RU" smtClean="0"/>
+              <a:rPr lang="ru-RU"/>
               <a:t>Образец текста</a:t>
             </a:r>
           </a:p>
@@ -1474,7 +1473,7 @@
             <a:fld id="{85A5DE44-605B-4D3B-B2B7-94543DF81A36}" type="datetimeFigureOut">
               <a:rPr lang="ru-RU" smtClean="0"/>
               <a:pPr/>
-              <a:t>15.10.2021</a:t>
+              <a:t>14.06.2022</a:t>
             </a:fld>
             <a:endParaRPr lang="ru-RU"/>
           </a:p>
@@ -1569,7 +1568,7 @@
           <a:lstStyle/>
           <a:p>
             <a:r>
-              <a:rPr lang="ru-RU" smtClean="0"/>
+              <a:rPr lang="ru-RU"/>
               <a:t>Образец заголовка</a:t>
             </a:r>
             <a:endParaRPr lang="en-US" dirty="0"/>
@@ -1598,35 +1597,35 @@
           <a:p>
             <a:pPr lvl="0"/>
             <a:r>
-              <a:rPr lang="ru-RU" smtClean="0"/>
+              <a:rPr lang="ru-RU"/>
               <a:t>Образец текста</a:t>
             </a:r>
           </a:p>
           <a:p>
             <a:pPr lvl="1"/>
             <a:r>
-              <a:rPr lang="ru-RU" smtClean="0"/>
+              <a:rPr lang="ru-RU"/>
               <a:t>Второй уровень</a:t>
             </a:r>
           </a:p>
           <a:p>
             <a:pPr lvl="2"/>
             <a:r>
-              <a:rPr lang="ru-RU" smtClean="0"/>
+              <a:rPr lang="ru-RU"/>
               <a:t>Третий уровень</a:t>
             </a:r>
           </a:p>
           <a:p>
             <a:pPr lvl="3"/>
             <a:r>
-              <a:rPr lang="ru-RU" smtClean="0"/>
+              <a:rPr lang="ru-RU"/>
               <a:t>Четвертый уровень</a:t>
             </a:r>
           </a:p>
           <a:p>
             <a:pPr lvl="4"/>
             <a:r>
-              <a:rPr lang="ru-RU" smtClean="0"/>
+              <a:rPr lang="ru-RU"/>
               <a:t>Пятый уровень</a:t>
             </a:r>
             <a:endParaRPr lang="en-US" dirty="0"/>
@@ -1655,35 +1654,35 @@
           <a:p>
             <a:pPr lvl="0"/>
             <a:r>
-              <a:rPr lang="ru-RU" smtClean="0"/>
+              <a:rPr lang="ru-RU"/>
               <a:t>Образец текста</a:t>
             </a:r>
           </a:p>
           <a:p>
             <a:pPr lvl="1"/>
             <a:r>
-              <a:rPr lang="ru-RU" smtClean="0"/>
+              <a:rPr lang="ru-RU"/>
               <a:t>Второй уровень</a:t>
             </a:r>
           </a:p>
           <a:p>
             <a:pPr lvl="2"/>
             <a:r>
-              <a:rPr lang="ru-RU" smtClean="0"/>
+              <a:rPr lang="ru-RU"/>
               <a:t>Третий уровень</a:t>
             </a:r>
           </a:p>
           <a:p>
             <a:pPr lvl="3"/>
             <a:r>
-              <a:rPr lang="ru-RU" smtClean="0"/>
+              <a:rPr lang="ru-RU"/>
               <a:t>Четвертый уровень</a:t>
             </a:r>
           </a:p>
           <a:p>
             <a:pPr lvl="4"/>
             <a:r>
-              <a:rPr lang="ru-RU" smtClean="0"/>
+              <a:rPr lang="ru-RU"/>
               <a:t>Пятый уровень</a:t>
             </a:r>
             <a:endParaRPr lang="en-US" dirty="0"/>
@@ -1708,7 +1707,7 @@
             <a:fld id="{85A5DE44-605B-4D3B-B2B7-94543DF81A36}" type="datetimeFigureOut">
               <a:rPr lang="ru-RU" smtClean="0"/>
               <a:pPr/>
-              <a:t>15.10.2021</a:t>
+              <a:t>14.06.2022</a:t>
             </a:fld>
             <a:endParaRPr lang="ru-RU"/>
           </a:p>
@@ -1808,7 +1807,7 @@
           <a:lstStyle/>
           <a:p>
             <a:r>
-              <a:rPr lang="ru-RU" smtClean="0"/>
+              <a:rPr lang="ru-RU"/>
               <a:t>Образец заголовка</a:t>
             </a:r>
             <a:endParaRPr lang="en-US" dirty="0"/>
@@ -1874,7 +1873,7 @@
           <a:p>
             <a:pPr lvl="0"/>
             <a:r>
-              <a:rPr lang="ru-RU" smtClean="0"/>
+              <a:rPr lang="ru-RU"/>
               <a:t>Образец текста</a:t>
             </a:r>
           </a:p>
@@ -1902,35 +1901,35 @@
           <a:p>
             <a:pPr lvl="0"/>
             <a:r>
-              <a:rPr lang="ru-RU" smtClean="0"/>
+              <a:rPr lang="ru-RU"/>
               <a:t>Образец текста</a:t>
             </a:r>
           </a:p>
           <a:p>
             <a:pPr lvl="1"/>
             <a:r>
-              <a:rPr lang="ru-RU" smtClean="0"/>
+              <a:rPr lang="ru-RU"/>
               <a:t>Второй уровень</a:t>
             </a:r>
           </a:p>
           <a:p>
             <a:pPr lvl="2"/>
             <a:r>
-              <a:rPr lang="ru-RU" smtClean="0"/>
+              <a:rPr lang="ru-RU"/>
               <a:t>Третий уровень</a:t>
             </a:r>
           </a:p>
           <a:p>
             <a:pPr lvl="3"/>
             <a:r>
-              <a:rPr lang="ru-RU" smtClean="0"/>
+              <a:rPr lang="ru-RU"/>
               <a:t>Четвертый уровень</a:t>
             </a:r>
           </a:p>
           <a:p>
             <a:pPr lvl="4"/>
             <a:r>
-              <a:rPr lang="ru-RU" smtClean="0"/>
+              <a:rPr lang="ru-RU"/>
               <a:t>Пятый уровень</a:t>
             </a:r>
             <a:endParaRPr lang="en-US" dirty="0"/>
@@ -1996,7 +1995,7 @@
           <a:p>
             <a:pPr lvl="0"/>
             <a:r>
-              <a:rPr lang="ru-RU" smtClean="0"/>
+              <a:rPr lang="ru-RU"/>
               <a:t>Образец текста</a:t>
             </a:r>
           </a:p>
@@ -2024,35 +2023,35 @@
           <a:p>
             <a:pPr lvl="0"/>
             <a:r>
-              <a:rPr lang="ru-RU" smtClean="0"/>
+              <a:rPr lang="ru-RU"/>
               <a:t>Образец текста</a:t>
             </a:r>
           </a:p>
           <a:p>
             <a:pPr lvl="1"/>
             <a:r>
-              <a:rPr lang="ru-RU" smtClean="0"/>
+              <a:rPr lang="ru-RU"/>
               <a:t>Второй уровень</a:t>
             </a:r>
           </a:p>
           <a:p>
             <a:pPr lvl="2"/>
             <a:r>
-              <a:rPr lang="ru-RU" smtClean="0"/>
+              <a:rPr lang="ru-RU"/>
               <a:t>Третий уровень</a:t>
             </a:r>
           </a:p>
           <a:p>
             <a:pPr lvl="3"/>
             <a:r>
-              <a:rPr lang="ru-RU" smtClean="0"/>
+              <a:rPr lang="ru-RU"/>
               <a:t>Четвертый уровень</a:t>
             </a:r>
           </a:p>
           <a:p>
             <a:pPr lvl="4"/>
             <a:r>
-              <a:rPr lang="ru-RU" smtClean="0"/>
+              <a:rPr lang="ru-RU"/>
               <a:t>Пятый уровень</a:t>
             </a:r>
             <a:endParaRPr lang="en-US" dirty="0"/>
@@ -2077,7 +2076,7 @@
             <a:fld id="{85A5DE44-605B-4D3B-B2B7-94543DF81A36}" type="datetimeFigureOut">
               <a:rPr lang="ru-RU" smtClean="0"/>
               <a:pPr/>
-              <a:t>15.10.2021</a:t>
+              <a:t>14.06.2022</a:t>
             </a:fld>
             <a:endParaRPr lang="ru-RU"/>
           </a:p>
@@ -2172,7 +2171,7 @@
           <a:lstStyle/>
           <a:p>
             <a:r>
-              <a:rPr lang="ru-RU" smtClean="0"/>
+              <a:rPr lang="ru-RU"/>
               <a:t>Образец заголовка</a:t>
             </a:r>
             <a:endParaRPr lang="en-US" dirty="0"/>
@@ -2197,7 +2196,7 @@
             <a:fld id="{85A5DE44-605B-4D3B-B2B7-94543DF81A36}" type="datetimeFigureOut">
               <a:rPr lang="ru-RU" smtClean="0"/>
               <a:pPr/>
-              <a:t>15.10.2021</a:t>
+              <a:t>14.06.2022</a:t>
             </a:fld>
             <a:endParaRPr lang="ru-RU"/>
           </a:p>
@@ -2294,7 +2293,7 @@
             <a:fld id="{85A5DE44-605B-4D3B-B2B7-94543DF81A36}" type="datetimeFigureOut">
               <a:rPr lang="ru-RU" smtClean="0"/>
               <a:pPr/>
-              <a:t>15.10.2021</a:t>
+              <a:t>14.06.2022</a:t>
             </a:fld>
             <a:endParaRPr lang="ru-RU"/>
           </a:p>
@@ -2398,7 +2397,7 @@
           </a:lstStyle>
           <a:p>
             <a:r>
-              <a:rPr lang="ru-RU" smtClean="0"/>
+              <a:rPr lang="ru-RU"/>
               <a:t>Образец заголовка</a:t>
             </a:r>
             <a:endParaRPr lang="en-US" dirty="0"/>
@@ -2455,35 +2454,35 @@
           <a:p>
             <a:pPr lvl="0"/>
             <a:r>
-              <a:rPr lang="ru-RU" smtClean="0"/>
+              <a:rPr lang="ru-RU"/>
               <a:t>Образец текста</a:t>
             </a:r>
           </a:p>
           <a:p>
             <a:pPr lvl="1"/>
             <a:r>
-              <a:rPr lang="ru-RU" smtClean="0"/>
+              <a:rPr lang="ru-RU"/>
               <a:t>Второй уровень</a:t>
             </a:r>
           </a:p>
           <a:p>
             <a:pPr lvl="2"/>
             <a:r>
-              <a:rPr lang="ru-RU" smtClean="0"/>
+              <a:rPr lang="ru-RU"/>
               <a:t>Третий уровень</a:t>
             </a:r>
           </a:p>
           <a:p>
             <a:pPr lvl="3"/>
             <a:r>
-              <a:rPr lang="ru-RU" smtClean="0"/>
+              <a:rPr lang="ru-RU"/>
               <a:t>Четвертый уровень</a:t>
             </a:r>
           </a:p>
           <a:p>
             <a:pPr lvl="4"/>
             <a:r>
-              <a:rPr lang="ru-RU" smtClean="0"/>
+              <a:rPr lang="ru-RU"/>
               <a:t>Пятый уровень</a:t>
             </a:r>
             <a:endParaRPr lang="en-US" dirty="0"/>
@@ -2549,7 +2548,7 @@
           <a:p>
             <a:pPr lvl="0"/>
             <a:r>
-              <a:rPr lang="ru-RU" smtClean="0"/>
+              <a:rPr lang="ru-RU"/>
               <a:t>Образец текста</a:t>
             </a:r>
           </a:p>
@@ -2573,7 +2572,7 @@
             <a:fld id="{85A5DE44-605B-4D3B-B2B7-94543DF81A36}" type="datetimeFigureOut">
               <a:rPr lang="ru-RU" smtClean="0"/>
               <a:pPr/>
-              <a:t>15.10.2021</a:t>
+              <a:t>14.06.2022</a:t>
             </a:fld>
             <a:endParaRPr lang="ru-RU"/>
           </a:p>
@@ -2677,7 +2676,7 @@
           </a:lstStyle>
           <a:p>
             <a:r>
-              <a:rPr lang="ru-RU" smtClean="0"/>
+              <a:rPr lang="ru-RU"/>
               <a:t>Образец заголовка</a:t>
             </a:r>
             <a:endParaRPr lang="en-US" dirty="0"/>
@@ -2742,7 +2741,7 @@
           </a:lstStyle>
           <a:p>
             <a:r>
-              <a:rPr lang="ru-RU" smtClean="0"/>
+              <a:rPr lang="ru-RU"/>
               <a:t>Вставка рисунка</a:t>
             </a:r>
             <a:endParaRPr lang="en-US" dirty="0"/>
@@ -2808,7 +2807,7 @@
           <a:p>
             <a:pPr lvl="0"/>
             <a:r>
-              <a:rPr lang="ru-RU" smtClean="0"/>
+              <a:rPr lang="ru-RU"/>
               <a:t>Образец текста</a:t>
             </a:r>
           </a:p>
@@ -2832,7 +2831,7 @@
             <a:fld id="{85A5DE44-605B-4D3B-B2B7-94543DF81A36}" type="datetimeFigureOut">
               <a:rPr lang="ru-RU" smtClean="0"/>
               <a:pPr/>
-              <a:t>15.10.2021</a:t>
+              <a:t>14.06.2022</a:t>
             </a:fld>
             <a:endParaRPr lang="ru-RU"/>
           </a:p>
@@ -2942,7 +2941,7 @@
           <a:lstStyle/>
           <a:p>
             <a:r>
-              <a:rPr lang="ru-RU" smtClean="0"/>
+              <a:rPr lang="ru-RU"/>
               <a:t>Образец заголовка</a:t>
             </a:r>
             <a:endParaRPr lang="en-US" dirty="0"/>
@@ -2976,35 +2975,35 @@
           <a:p>
             <a:pPr lvl="0"/>
             <a:r>
-              <a:rPr lang="ru-RU" smtClean="0"/>
+              <a:rPr lang="ru-RU"/>
               <a:t>Образец текста</a:t>
             </a:r>
           </a:p>
           <a:p>
             <a:pPr lvl="1"/>
             <a:r>
-              <a:rPr lang="ru-RU" smtClean="0"/>
+              <a:rPr lang="ru-RU"/>
               <a:t>Второй уровень</a:t>
             </a:r>
           </a:p>
           <a:p>
             <a:pPr lvl="2"/>
             <a:r>
-              <a:rPr lang="ru-RU" smtClean="0"/>
+              <a:rPr lang="ru-RU"/>
               <a:t>Третий уровень</a:t>
             </a:r>
           </a:p>
           <a:p>
             <a:pPr lvl="3"/>
             <a:r>
-              <a:rPr lang="ru-RU" smtClean="0"/>
+              <a:rPr lang="ru-RU"/>
               <a:t>Четвертый уровень</a:t>
             </a:r>
           </a:p>
           <a:p>
             <a:pPr lvl="4"/>
             <a:r>
-              <a:rPr lang="ru-RU" smtClean="0"/>
+              <a:rPr lang="ru-RU"/>
               <a:t>Пятый уровень</a:t>
             </a:r>
             <a:endParaRPr lang="en-US" dirty="0"/>
@@ -3047,7 +3046,7 @@
             <a:fld id="{85A5DE44-605B-4D3B-B2B7-94543DF81A36}" type="datetimeFigureOut">
               <a:rPr lang="ru-RU" smtClean="0"/>
               <a:pPr/>
-              <a:t>15.10.2021</a:t>
+              <a:t>14.06.2022</a:t>
             </a:fld>
             <a:endParaRPr lang="ru-RU"/>
           </a:p>
@@ -3489,18 +3488,17 @@
           <a:p>
             <a:pPr algn="ctr"/>
             <a:r>
-              <a:rPr lang="ru-RU" sz="700" dirty="0" smtClean="0"/>
+              <a:rPr lang="ru-RU" sz="700" dirty="0"/>
               <a:t>Добавить ресурсы</a:t>
             </a:r>
             <a:r>
-              <a:rPr lang="en-US" sz="700" dirty="0" smtClean="0"/>
+              <a:rPr lang="en-US" sz="700" dirty="0"/>
               <a:t>: </a:t>
             </a:r>
             <a:r>
-              <a:rPr lang="ru-RU" sz="700" dirty="0" smtClean="0"/>
+              <a:rPr lang="ru-RU" sz="700" dirty="0"/>
               <a:t>железо, каучук</a:t>
             </a:r>
-            <a:endParaRPr lang="ru-RU" sz="700" dirty="0"/>
           </a:p>
         </p:txBody>
       </p:sp>
@@ -3532,15 +3530,15 @@
           <a:lstStyle/>
           <a:p>
             <a:r>
-              <a:rPr lang="ru-RU" dirty="0" smtClean="0"/>
+              <a:rPr lang="ru-RU" dirty="0"/>
               <a:t>Заметки Ангола</a:t>
             </a:r>
           </a:p>
           <a:p>
-            <a:endParaRPr lang="ru-RU" dirty="0" smtClean="0"/>
-          </a:p>
-          <a:p>
-            <a:endParaRPr lang="ru-RU" dirty="0" smtClean="0"/>
+            <a:endParaRPr lang="ru-RU" dirty="0"/>
+          </a:p>
+          <a:p>
+            <a:endParaRPr lang="ru-RU" dirty="0"/>
           </a:p>
         </p:txBody>
       </p:sp>
@@ -3580,7 +3578,7 @@
           <a:p>
             <a:pPr algn="ctr"/>
             <a:r>
-              <a:rPr lang="ru-RU" sz="800" dirty="0" smtClean="0"/>
+              <a:rPr lang="ru-RU" sz="800" dirty="0"/>
               <a:t>Выборы в провинциальные собрания 1937 г</a:t>
             </a:r>
           </a:p>
@@ -3728,10 +3726,9 @@
           <a:p>
             <a:pPr algn="ctr"/>
             <a:r>
-              <a:rPr lang="ru-RU" sz="3600" b="1" dirty="0" smtClean="0"/>
+              <a:rPr lang="ru-RU" sz="3600" b="1" dirty="0"/>
               <a:t>119</a:t>
             </a:r>
-            <a:endParaRPr lang="ru-RU" sz="3600" b="1" dirty="0"/>
           </a:p>
         </p:txBody>
       </p:sp>
@@ -3807,7 +3804,7 @@
           <a:p>
             <a:pPr algn="ctr"/>
             <a:r>
-              <a:rPr lang="ru-RU" sz="800" dirty="0" smtClean="0"/>
+              <a:rPr lang="ru-RU" sz="800" dirty="0"/>
               <a:t>Сталинское влияние</a:t>
             </a:r>
           </a:p>
@@ -3849,7 +3846,7 @@
           <a:p>
             <a:pPr algn="ctr"/>
             <a:r>
-              <a:rPr lang="ru-RU" sz="800" dirty="0" smtClean="0"/>
+              <a:rPr lang="ru-RU" sz="800" dirty="0"/>
               <a:t>Мировая революция</a:t>
             </a:r>
           </a:p>
@@ -3891,23 +3888,23 @@
           <a:p>
             <a:pPr algn="ctr"/>
             <a:r>
-              <a:rPr lang="ru-RU" sz="800" dirty="0" smtClean="0"/>
+              <a:rPr lang="ru-RU" sz="800" dirty="0"/>
               <a:t>Перенять методы партии «</a:t>
             </a:r>
             <a:r>
-              <a:rPr lang="ru-RU" sz="800" dirty="0" err="1" smtClean="0"/>
+              <a:rPr lang="ru-RU" sz="800" dirty="0" err="1"/>
               <a:t>Джугантар</a:t>
             </a:r>
             <a:r>
-              <a:rPr lang="ru-RU" sz="800" dirty="0" smtClean="0"/>
+              <a:rPr lang="ru-RU" sz="800" dirty="0"/>
               <a:t>» (</a:t>
             </a:r>
             <a:r>
-              <a:rPr lang="en-US" sz="800" dirty="0" err="1" smtClean="0"/>
+              <a:rPr lang="en-US" sz="800" dirty="0" err="1"/>
               <a:t>Jugantar</a:t>
             </a:r>
             <a:r>
-              <a:rPr lang="ru-RU" sz="800" dirty="0" smtClean="0"/>
+              <a:rPr lang="ru-RU" sz="800" dirty="0"/>
               <a:t>)</a:t>
             </a:r>
           </a:p>
@@ -3949,7 +3946,7 @@
           <a:p>
             <a:pPr algn="ctr"/>
             <a:r>
-              <a:rPr lang="ru-RU" sz="800" dirty="0" smtClean="0"/>
+              <a:rPr lang="ru-RU" sz="800" dirty="0"/>
               <a:t>Всеиндийская молодёжная лига</a:t>
             </a:r>
           </a:p>
@@ -3991,18 +3988,18 @@
           <a:p>
             <a:pPr algn="ctr"/>
             <a:r>
-              <a:rPr lang="ru-RU" sz="800" dirty="0" smtClean="0"/>
+              <a:rPr lang="ru-RU" sz="800" dirty="0"/>
               <a:t>Создание газеты «</a:t>
             </a:r>
             <a:r>
-              <a:rPr lang="en-US" sz="800" i="1" dirty="0" smtClean="0"/>
+              <a:rPr lang="en-US" sz="800" i="1" dirty="0"/>
               <a:t>Forward Bloc</a:t>
             </a:r>
             <a:r>
-              <a:rPr lang="ru-RU" sz="800" i="1" dirty="0" smtClean="0"/>
+              <a:rPr lang="ru-RU" sz="800" i="1" dirty="0"/>
               <a:t>»</a:t>
             </a:r>
-            <a:endParaRPr lang="ru-RU" sz="800" dirty="0" smtClean="0"/>
+            <a:endParaRPr lang="ru-RU" sz="800" dirty="0"/>
           </a:p>
         </p:txBody>
       </p:sp>
@@ -4042,7 +4039,7 @@
           <a:p>
             <a:pPr algn="ctr"/>
             <a:r>
-              <a:rPr lang="ru-RU" sz="800" dirty="0" smtClean="0"/>
+              <a:rPr lang="ru-RU" sz="800" dirty="0"/>
               <a:t>Резолюция «Вся власть Индийскому народу» призывающую к активным действиям в борьбе против британского колониального правления.</a:t>
             </a:r>
           </a:p>
@@ -4084,7 +4081,7 @@
           <a:p>
             <a:pPr algn="ctr"/>
             <a:r>
-              <a:rPr lang="ru-RU" sz="800" dirty="0" smtClean="0"/>
+              <a:rPr lang="ru-RU" sz="800" dirty="0"/>
               <a:t>Рабочая ассамблея партии</a:t>
             </a:r>
           </a:p>
@@ -4126,7 +4123,7 @@
           <a:p>
             <a:pPr algn="ctr"/>
             <a:r>
-              <a:rPr lang="ru-RU" sz="800" dirty="0" smtClean="0"/>
+              <a:rPr lang="ru-RU" sz="800" dirty="0"/>
               <a:t>Торговое эмбарго фашистским режимам</a:t>
             </a:r>
           </a:p>
@@ -4168,7 +4165,7 @@
           <a:p>
             <a:pPr algn="ctr"/>
             <a:r>
-              <a:rPr lang="ru-RU" sz="800" dirty="0" smtClean="0"/>
+              <a:rPr lang="ru-RU" sz="800" dirty="0"/>
               <a:t>Отказать мусульманской лиге в сотрудничестве</a:t>
             </a:r>
           </a:p>
@@ -4210,31 +4207,31 @@
           <a:p>
             <a:pPr algn="ctr"/>
             <a:r>
-              <a:rPr lang="ru-RU" sz="800" dirty="0" smtClean="0"/>
+              <a:rPr lang="ru-RU" sz="800" dirty="0"/>
               <a:t>Блок вперёд всей Индией!(</a:t>
             </a:r>
             <a:r>
-              <a:rPr lang="ru-RU" sz="800" b="1" dirty="0" err="1" smtClean="0"/>
+              <a:rPr lang="ru-RU" sz="800" b="1" dirty="0" err="1"/>
               <a:t>Субхас</a:t>
             </a:r>
             <a:r>
-              <a:rPr lang="ru-RU" sz="800" b="1" dirty="0" smtClean="0"/>
+              <a:rPr lang="ru-RU" sz="800" b="1" dirty="0"/>
               <a:t> </a:t>
             </a:r>
             <a:r>
-              <a:rPr lang="ru-RU" sz="800" b="1" dirty="0" err="1" smtClean="0"/>
+              <a:rPr lang="ru-RU" sz="800" b="1" dirty="0" err="1"/>
               <a:t>Чандра</a:t>
             </a:r>
             <a:r>
-              <a:rPr lang="ru-RU" sz="800" b="1" dirty="0" smtClean="0"/>
+              <a:rPr lang="ru-RU" sz="800" b="1" dirty="0"/>
               <a:t> </a:t>
             </a:r>
             <a:r>
-              <a:rPr lang="ru-RU" sz="800" b="1" dirty="0" err="1" smtClean="0"/>
+              <a:rPr lang="ru-RU" sz="800" b="1" dirty="0" err="1"/>
               <a:t>Бозе</a:t>
             </a:r>
             <a:r>
-              <a:rPr lang="ru-RU" sz="800" dirty="0" smtClean="0"/>
+              <a:rPr lang="ru-RU" sz="800" dirty="0"/>
               <a:t>)</a:t>
             </a:r>
             <a:endParaRPr lang="ru-RU" sz="800" b="1" dirty="0"/>
@@ -4277,15 +4274,15 @@
           <a:p>
             <a:pPr algn="ctr"/>
             <a:r>
-              <a:rPr lang="ru-RU" sz="800" dirty="0" smtClean="0"/>
+              <a:rPr lang="ru-RU" sz="800" dirty="0"/>
               <a:t>Демократический путь (</a:t>
             </a:r>
             <a:r>
-              <a:rPr lang="ru-RU" sz="800" dirty="0" err="1" smtClean="0"/>
+              <a:rPr lang="ru-RU" sz="800" dirty="0" err="1"/>
               <a:t>Дем-соц</a:t>
             </a:r>
             <a:r>
-              <a:rPr lang="ru-RU" sz="800" dirty="0" smtClean="0"/>
+              <a:rPr lang="ru-RU" sz="800" dirty="0"/>
               <a:t> с Неру, исторический)</a:t>
             </a:r>
           </a:p>
@@ -4327,23 +4324,23 @@
           <a:p>
             <a:pPr algn="ctr"/>
             <a:r>
-              <a:rPr lang="ru-RU" sz="800" dirty="0" smtClean="0"/>
+              <a:rPr lang="ru-RU" sz="800" dirty="0"/>
               <a:t>Социалисты (Неру, С.Ч. Бос, </a:t>
             </a:r>
             <a:r>
-              <a:rPr lang="ru-RU" sz="800" dirty="0" err="1" smtClean="0"/>
+              <a:rPr lang="ru-RU" sz="800" dirty="0" err="1"/>
               <a:t>Сринисава</a:t>
             </a:r>
             <a:r>
-              <a:rPr lang="ru-RU" sz="800" dirty="0" smtClean="0"/>
+              <a:rPr lang="ru-RU" sz="800" dirty="0"/>
               <a:t> </a:t>
             </a:r>
             <a:r>
-              <a:rPr lang="ru-RU" sz="800" dirty="0" err="1" smtClean="0"/>
+              <a:rPr lang="ru-RU" sz="800" dirty="0" err="1"/>
               <a:t>Айянгар</a:t>
             </a:r>
             <a:r>
-              <a:rPr lang="ru-RU" sz="800" dirty="0" smtClean="0"/>
+              <a:rPr lang="ru-RU" sz="800" dirty="0"/>
               <a:t>)</a:t>
             </a:r>
           </a:p>
@@ -4385,7 +4382,7 @@
           <a:p>
             <a:pPr algn="ctr"/>
             <a:r>
-              <a:rPr lang="ru-RU" sz="800" dirty="0" smtClean="0"/>
+              <a:rPr lang="ru-RU" sz="800" dirty="0"/>
               <a:t>Индийский национальный конгресс</a:t>
             </a:r>
           </a:p>
@@ -4427,7 +4424,7 @@
           <a:p>
             <a:pPr algn="ctr"/>
             <a:r>
-              <a:rPr lang="ru-RU" sz="800" dirty="0" smtClean="0"/>
+              <a:rPr lang="ru-RU" sz="800" dirty="0"/>
               <a:t>Умеренные – Нарам (возвращение Ганди)</a:t>
             </a:r>
           </a:p>
@@ -4469,15 +4466,15 @@
           <a:p>
             <a:pPr algn="ctr"/>
             <a:r>
-              <a:rPr lang="ru-RU" sz="800" dirty="0" smtClean="0"/>
+              <a:rPr lang="ru-RU" sz="800" dirty="0"/>
               <a:t>Экстремисты – </a:t>
             </a:r>
             <a:r>
-              <a:rPr lang="ru-RU" sz="800" dirty="0" err="1" smtClean="0"/>
+              <a:rPr lang="ru-RU" sz="800" dirty="0" err="1"/>
               <a:t>Гарам</a:t>
             </a:r>
             <a:r>
-              <a:rPr lang="ru-RU" sz="800" dirty="0" smtClean="0"/>
+              <a:rPr lang="ru-RU" sz="800" dirty="0"/>
               <a:t>(горячие)</a:t>
             </a:r>
           </a:p>
@@ -4519,14 +4516,14 @@
           <a:p>
             <a:pPr algn="ctr"/>
             <a:r>
-              <a:rPr lang="ru-RU" sz="800" dirty="0" smtClean="0"/>
+              <a:rPr lang="ru-RU" sz="800" dirty="0"/>
               <a:t>Хинду </a:t>
             </a:r>
             <a:r>
-              <a:rPr lang="ru-RU" sz="800" dirty="0" err="1" smtClean="0"/>
+              <a:rPr lang="ru-RU" sz="800" dirty="0" err="1"/>
               <a:t>Махасабхи</a:t>
             </a:r>
-            <a:endParaRPr lang="ru-RU" sz="800" dirty="0" smtClean="0"/>
+            <a:endParaRPr lang="ru-RU" sz="800" dirty="0"/>
           </a:p>
         </p:txBody>
       </p:sp>
@@ -4566,34 +4563,33 @@
           <a:p>
             <a:pPr algn="ctr"/>
             <a:r>
-              <a:rPr lang="ru-RU" sz="800" dirty="0" smtClean="0"/>
+              <a:rPr lang="ru-RU" sz="800" dirty="0"/>
               <a:t>Национальная патриотическая организация (РСС) (</a:t>
             </a:r>
             <a:r>
-              <a:rPr lang="ru-RU" sz="800" b="1" dirty="0" err="1" smtClean="0"/>
+              <a:rPr lang="ru-RU" sz="800" b="1" dirty="0" err="1"/>
               <a:t>Кешав</a:t>
             </a:r>
             <a:r>
-              <a:rPr lang="ru-RU" sz="800" dirty="0" smtClean="0"/>
+              <a:rPr lang="ru-RU" sz="800" dirty="0"/>
               <a:t> </a:t>
             </a:r>
             <a:r>
-              <a:rPr lang="ru-RU" sz="800" dirty="0" err="1" smtClean="0"/>
+              <a:rPr lang="ru-RU" sz="800" dirty="0" err="1"/>
               <a:t>Балирам</a:t>
             </a:r>
             <a:r>
-              <a:rPr lang="ru-RU" sz="800" dirty="0" smtClean="0"/>
+              <a:rPr lang="ru-RU" sz="800" dirty="0"/>
               <a:t> </a:t>
             </a:r>
             <a:r>
-              <a:rPr lang="ru-RU" sz="800" dirty="0" err="1" smtClean="0"/>
+              <a:rPr lang="ru-RU" sz="800" dirty="0" err="1"/>
               <a:t>Хеджевар</a:t>
             </a:r>
             <a:r>
-              <a:rPr lang="ru-RU" sz="800" dirty="0" smtClean="0"/>
+              <a:rPr lang="ru-RU" sz="800" dirty="0"/>
               <a:t>)</a:t>
             </a:r>
-            <a:endParaRPr lang="ru-RU" sz="800" dirty="0"/>
           </a:p>
         </p:txBody>
       </p:sp>
@@ -4633,18 +4629,18 @@
           <a:p>
             <a:pPr algn="ctr"/>
             <a:r>
-              <a:rPr lang="ru-RU" sz="800" dirty="0" err="1" smtClean="0"/>
+              <a:rPr lang="ru-RU" sz="800" dirty="0" err="1"/>
               <a:t>Арья</a:t>
             </a:r>
             <a:r>
-              <a:rPr lang="ru-RU" sz="800" dirty="0" smtClean="0"/>
+              <a:rPr lang="ru-RU" sz="800" dirty="0"/>
               <a:t> </a:t>
             </a:r>
             <a:r>
-              <a:rPr lang="ru-RU" sz="800" dirty="0" err="1" smtClean="0"/>
+              <a:rPr lang="ru-RU" sz="800" dirty="0" err="1"/>
               <a:t>Самадж</a:t>
             </a:r>
-            <a:endParaRPr lang="ru-RU" sz="800" dirty="0" smtClean="0"/>
+            <a:endParaRPr lang="ru-RU" sz="800" dirty="0"/>
           </a:p>
         </p:txBody>
       </p:sp>
@@ -4684,10 +4680,9 @@
           <a:p>
             <a:pPr algn="ctr"/>
             <a:r>
-              <a:rPr lang="ru-RU" sz="800" dirty="0" smtClean="0"/>
+              <a:rPr lang="ru-RU" sz="800" dirty="0"/>
               <a:t>Белые рубашки(молодёжная организация)</a:t>
             </a:r>
-            <a:endParaRPr lang="ru-RU" sz="800" dirty="0"/>
           </a:p>
         </p:txBody>
       </p:sp>
@@ -4727,10 +4722,9 @@
           <a:p>
             <a:pPr algn="ctr"/>
             <a:r>
-              <a:rPr lang="ru-RU" sz="800" dirty="0" smtClean="0"/>
+              <a:rPr lang="ru-RU" sz="800" dirty="0"/>
               <a:t>Женское крыло организации</a:t>
             </a:r>
-            <a:endParaRPr lang="ru-RU" sz="800" dirty="0"/>
           </a:p>
         </p:txBody>
       </p:sp>
@@ -4770,53 +4764,53 @@
           <a:p>
             <a:pPr algn="ctr"/>
             <a:r>
-              <a:rPr lang="ru-RU" sz="800" i="1" dirty="0" err="1" smtClean="0">
+              <a:rPr lang="ru-RU" sz="800" i="1" dirty="0" err="1">
                 <a:hlinkClick r:id="rId3" tooltip="Gurukul"/>
               </a:rPr>
               <a:t>Гурукул</a:t>
             </a:r>
             <a:r>
-              <a:rPr lang="ru-RU" sz="800" dirty="0" smtClean="0"/>
+              <a:rPr lang="ru-RU" sz="800" dirty="0"/>
               <a:t> ( </a:t>
             </a:r>
             <a:r>
-              <a:rPr lang="ru-RU" sz="800" dirty="0" smtClean="0">
+              <a:rPr lang="ru-RU" sz="800" dirty="0">
                 <a:hlinkClick r:id="rId4" tooltip="веды"/>
               </a:rPr>
               <a:t>ведические</a:t>
             </a:r>
             <a:r>
-              <a:rPr lang="ru-RU" sz="800" dirty="0" smtClean="0"/>
+              <a:rPr lang="ru-RU" sz="800" dirty="0"/>
               <a:t> школы), в котором подчеркивались ведические ценности, культура, </a:t>
             </a:r>
             <a:r>
-              <a:rPr lang="ru-RU" sz="800" i="1" dirty="0" err="1" smtClean="0">
+              <a:rPr lang="ru-RU" sz="800" i="1" dirty="0" err="1">
                 <a:hlinkClick r:id="rId5" tooltip="Satya"/>
               </a:rPr>
               <a:t>сатья</a:t>
             </a:r>
             <a:r>
-              <a:rPr lang="ru-RU" sz="800" dirty="0" smtClean="0"/>
+              <a:rPr lang="ru-RU" sz="800" dirty="0"/>
               <a:t> (добродетель) и </a:t>
             </a:r>
             <a:r>
-              <a:rPr lang="ru-RU" sz="800" i="1" dirty="0" err="1" smtClean="0">
+              <a:rPr lang="ru-RU" sz="800" i="1" dirty="0" err="1">
                 <a:hlinkClick r:id="rId6" tooltip="Санатана Дхарма"/>
               </a:rPr>
               <a:t>санатана-дхарма</a:t>
             </a:r>
             <a:r>
-              <a:rPr lang="ru-RU" sz="800" dirty="0" smtClean="0"/>
+              <a:rPr lang="ru-RU" sz="800" dirty="0"/>
               <a:t> (сущность жизни). Отдельное образование мальчикам и девочкам на основе древних ведических принципов. Система ведической школы также должна была освободить индийцев от </a:t>
             </a:r>
             <a:r>
-              <a:rPr lang="ru-RU" sz="800" dirty="0" smtClean="0">
+              <a:rPr lang="ru-RU" sz="800" dirty="0">
                 <a:hlinkClick r:id="rId7" tooltip="Британский радж"/>
               </a:rPr>
               <a:t>британского</a:t>
             </a:r>
             <a:r>
-              <a:rPr lang="ru-RU" sz="800" dirty="0" smtClean="0"/>
+              <a:rPr lang="ru-RU" sz="800" dirty="0"/>
               <a:t> образования.</a:t>
             </a:r>
           </a:p>
@@ -4858,21 +4852,21 @@
           <a:p>
             <a:pPr algn="ctr"/>
             <a:r>
-              <a:rPr lang="ru-RU" sz="800" dirty="0" err="1" smtClean="0"/>
+              <a:rPr lang="ru-RU" sz="800" dirty="0" err="1"/>
               <a:t>Шраддхананд</a:t>
             </a:r>
             <a:r>
-              <a:rPr lang="ru-RU" sz="800" dirty="0" smtClean="0"/>
+              <a:rPr lang="ru-RU" sz="800" dirty="0"/>
               <a:t> возглавил движение </a:t>
             </a:r>
             <a:r>
-              <a:rPr lang="ru-RU" sz="800" dirty="0" err="1" smtClean="0">
+              <a:rPr lang="ru-RU" sz="800" dirty="0" err="1">
                 <a:hlinkClick r:id="rId8" tooltip="шуддхи"/>
               </a:rPr>
               <a:t>шуддхи</a:t>
             </a:r>
             <a:r>
-              <a:rPr lang="ru-RU" sz="800" dirty="0" smtClean="0"/>
+              <a:rPr lang="ru-RU" sz="800" dirty="0"/>
               <a:t> , целью которого было вернуть индуистов, которые обратились в другие религии, обратно в индуизм</a:t>
             </a:r>
           </a:p>
@@ -4914,19 +4908,19 @@
           <a:p>
             <a:pPr algn="ctr"/>
             <a:r>
-              <a:rPr lang="ru-RU" sz="800" dirty="0" smtClean="0"/>
+              <a:rPr lang="ru-RU" sz="800" dirty="0"/>
               <a:t> </a:t>
             </a:r>
             <a:r>
-              <a:rPr lang="ru-RU" sz="800" i="1" dirty="0" err="1" smtClean="0"/>
+              <a:rPr lang="ru-RU" sz="800" i="1" dirty="0" err="1"/>
               <a:t>бодхик</a:t>
             </a:r>
             <a:r>
-              <a:rPr lang="ru-RU" sz="800" dirty="0" smtClean="0"/>
+              <a:rPr lang="ru-RU" sz="800" dirty="0"/>
               <a:t> (идеологическое образование), состоящий из простых вопросов новичкам, касающимся индуистской нации, ее истории и героев, особенно короля-воина </a:t>
             </a:r>
             <a:r>
-              <a:rPr lang="ru-RU" sz="800" dirty="0" err="1" smtClean="0">
+              <a:rPr lang="ru-RU" sz="800" dirty="0" err="1">
                 <a:hlinkClick r:id="rId9" tooltip="Шиваджи"/>
               </a:rPr>
               <a:t>Шиваджи</a:t>
@@ -4971,11 +4965,11 @@
           <a:p>
             <a:pPr algn="ctr"/>
             <a:r>
-              <a:rPr lang="ru-RU" sz="800" dirty="0" smtClean="0"/>
+              <a:rPr lang="ru-RU" sz="800" dirty="0"/>
               <a:t>организовал «тренировочный лагерь офицеров» с целью формирования корпуса ключевых рабочих, которых он называл </a:t>
             </a:r>
             <a:r>
-              <a:rPr lang="ru-RU" sz="800" i="1" dirty="0" err="1" smtClean="0"/>
+              <a:rPr lang="ru-RU" sz="800" i="1" dirty="0" err="1"/>
               <a:t>прачараками</a:t>
             </a:r>
             <a:endParaRPr lang="ru-RU" sz="800" dirty="0"/>
@@ -5018,10 +5012,9 @@
           <a:p>
             <a:pPr algn="ctr"/>
             <a:r>
-              <a:rPr lang="ru-RU" sz="800" dirty="0" smtClean="0"/>
+              <a:rPr lang="ru-RU" sz="800" dirty="0"/>
               <a:t>Женское образование</a:t>
             </a:r>
-            <a:endParaRPr lang="ru-RU" sz="800" dirty="0"/>
           </a:p>
         </p:txBody>
       </p:sp>
@@ -5567,13 +5560,6 @@
   <p:clrMapOvr>
     <a:masterClrMapping/>
   </p:clrMapOvr>
-  <p:timing>
-    <p:tnLst>
-      <p:par>
-        <p:cTn id="1" dur="indefinite" restart="never" nodeType="tmRoot"/>
-      </p:par>
-    </p:tnLst>
-  </p:timing>
 </p:sld>
 </file>
 
